--- a/doc/OnceUponATimeStoryOfSeeking-ZERO-COPY-Java-dev-shm-as-IPC-Transport-wrt-RDR_DIMENSION_operands_on_AE_JDG.pptx
+++ b/doc/OnceUponATimeStoryOfSeeking-ZERO-COPY-Java-dev-shm-as-IPC-Transport-wrt-RDR_DIMENSION_operands_on_AE_JDG.pptx
@@ -3540,7 +3540,7 @@
             <a:fld id="{17C044C6-057F-46AB-A255-70C44A75AB8A}" type="datetime1">
               <a:rPr lang="en-US" smtClean="0"/>
               <a:pPr/>
-              <a:t>8/15/2014</a:t>
+              <a:t>8/17/2014</a:t>
             </a:fld>
             <a:endParaRPr lang="en-US" dirty="0"/>
           </a:p>
@@ -3808,15 +3808,7 @@
             </a:r>
             <a:r>
               <a:rPr lang="en-US" sz="1600" dirty="0" smtClean="0"/>
-              <a:t> solution emerged as </a:t>
-            </a:r>
-            <a:r>
-              <a:rPr lang="en-US" sz="1600" dirty="0" smtClean="0"/>
-              <a:t>the </a:t>
-            </a:r>
-            <a:r>
-              <a:rPr lang="en-US" sz="1600" dirty="0" smtClean="0"/>
-              <a:t>leader.</a:t>
+              <a:t> solution emerged as the leader.</a:t>
             </a:r>
           </a:p>
           <a:p>
@@ -4044,36 +4036,16 @@
           <a:p>
             <a:r>
               <a:rPr lang="en-US" dirty="0" smtClean="0"/>
-              <a:t>“I </a:t>
-            </a:r>
+              <a:t>“I want to be disruptive rather than rehash or just slightly improve existing products.”</a:t>
+            </a:r>
+          </a:p>
+          <a:p>
+            <a:endParaRPr lang="en-US" dirty="0" smtClean="0"/>
+          </a:p>
+          <a:p>
             <a:r>
               <a:rPr lang="en-US" dirty="0" smtClean="0"/>
-              <a:t>want to be disruptive rather than rehash or just slightly improve </a:t>
-            </a:r>
-            <a:r>
-              <a:rPr lang="en-US" dirty="0" smtClean="0"/>
-              <a:t>existing </a:t>
-            </a:r>
-            <a:r>
-              <a:rPr lang="en-US" dirty="0" smtClean="0"/>
-              <a:t>products</a:t>
-            </a:r>
-            <a:r>
-              <a:rPr lang="en-US" dirty="0" smtClean="0"/>
-              <a:t>.”</a:t>
-            </a:r>
-          </a:p>
-          <a:p>
-            <a:endParaRPr lang="en-US" dirty="0" smtClean="0"/>
-          </a:p>
-          <a:p>
-            <a:r>
-              <a:rPr lang="en-US" dirty="0" smtClean="0"/>
-              <a:t>	</a:t>
-            </a:r>
-            <a:r>
-              <a:rPr lang="en-US" dirty="0" smtClean="0"/>
-              <a:t>		        08/14/2014</a:t>
+              <a:t>			        08/14/2014</a:t>
             </a:r>
             <a:endParaRPr lang="en-US" dirty="0"/>
           </a:p>
@@ -4130,6 +4102,13 @@
   <p:clrMapOvr>
     <a:masterClrMapping/>
   </p:clrMapOvr>
+  <p:timing>
+    <p:tnLst>
+      <p:par>
+        <p:cTn id="1" dur="indefinite" restart="never" nodeType="tmRoot"/>
+      </p:par>
+    </p:tnLst>
+  </p:timing>
 </p:sld>
 </file>
 
@@ -11549,12 +11528,8 @@
               <a:t>shm</a:t>
             </a:r>
             <a:r>
-              <a:rPr lang="en-US" smtClean="0"/>
-              <a:t>/*)  Left </a:t>
-            </a:r>
-            <a:r>
               <a:rPr lang="en-US" dirty="0" smtClean="0"/>
-              <a:t>player must be started first!):</a:t>
+              <a:t>/*)  Left player must be started first!):</a:t>
             </a:r>
           </a:p>
           <a:p>
@@ -11910,6 +11885,30 @@
           </a:p>
         </p:txBody>
       </p:sp>
+      <p:pic>
+        <p:nvPicPr>
+          <p:cNvPr id="3" name="Picture 2" descr="JPMorgan.JPG"/>
+          <p:cNvPicPr>
+            <a:picLocks noChangeAspect="1"/>
+          </p:cNvPicPr>
+          <p:nvPr/>
+        </p:nvPicPr>
+        <p:blipFill>
+          <a:blip r:embed="rId3" cstate="print"/>
+          <a:stretch>
+            <a:fillRect/>
+          </a:stretch>
+        </p:blipFill>
+        <p:spPr>
+          <a:xfrm>
+            <a:off x="7696200" y="6477000"/>
+            <a:ext cx="1112108" cy="228600"/>
+          </a:xfrm>
+          <a:prstGeom prst="rect">
+            <a:avLst/>
+          </a:prstGeom>
+        </p:spPr>
+      </p:pic>
     </p:spTree>
   </p:cSld>
   <p:clrMapOvr>
